--- a/인벤토리(게임커뮤니티) 제안서 조민우, 박준오.pptx
+++ b/인벤토리(게임커뮤니티) 제안서 조민우, 박준오.pptx
@@ -223,7 +223,7 @@
           <a:p>
             <a:fld id="{6A646A80-4AEA-495B-8448-F6C1C2E9C77C}" type="datetimeFigureOut">
               <a:rPr lang="ko-KR" altLang="en-US" smtClean="0"/>
-              <a:t>2022-02-02</a:t>
+              <a:t>2022-02-14</a:t>
             </a:fld>
             <a:endParaRPr lang="ko-KR" altLang="en-US"/>
           </a:p>
@@ -622,7 +622,7 @@
             <a:fld id="{158AEED3-7A85-4220-829E-FC9AF180230E}" type="datetimeFigureOut">
               <a:rPr lang="ko-KR" altLang="en-US" smtClean="0"/>
               <a:pPr/>
-              <a:t>2022-02-02</a:t>
+              <a:t>2022-02-14</a:t>
             </a:fld>
             <a:endParaRPr lang="ko-KR" altLang="en-US"/>
           </a:p>
@@ -794,7 +794,7 @@
             <a:fld id="{158AEED3-7A85-4220-829E-FC9AF180230E}" type="datetimeFigureOut">
               <a:rPr lang="ko-KR" altLang="en-US" smtClean="0"/>
               <a:pPr/>
-              <a:t>2022-02-02</a:t>
+              <a:t>2022-02-14</a:t>
             </a:fld>
             <a:endParaRPr lang="ko-KR" altLang="en-US"/>
           </a:p>
@@ -976,7 +976,7 @@
             <a:fld id="{158AEED3-7A85-4220-829E-FC9AF180230E}" type="datetimeFigureOut">
               <a:rPr lang="ko-KR" altLang="en-US" smtClean="0"/>
               <a:pPr/>
-              <a:t>2022-02-02</a:t>
+              <a:t>2022-02-14</a:t>
             </a:fld>
             <a:endParaRPr lang="ko-KR" altLang="en-US"/>
           </a:p>
@@ -1466,7 +1466,7 @@
             <a:fld id="{158AEED3-7A85-4220-829E-FC9AF180230E}" type="datetimeFigureOut">
               <a:rPr lang="ko-KR" altLang="en-US" smtClean="0"/>
               <a:pPr/>
-              <a:t>2022-02-02</a:t>
+              <a:t>2022-02-14</a:t>
             </a:fld>
             <a:endParaRPr lang="ko-KR" altLang="en-US"/>
           </a:p>
@@ -1712,7 +1712,7 @@
             <a:fld id="{158AEED3-7A85-4220-829E-FC9AF180230E}" type="datetimeFigureOut">
               <a:rPr lang="ko-KR" altLang="en-US" smtClean="0"/>
               <a:pPr/>
-              <a:t>2022-02-02</a:t>
+              <a:t>2022-02-14</a:t>
             </a:fld>
             <a:endParaRPr lang="ko-KR" altLang="en-US"/>
           </a:p>
@@ -1946,7 +1946,7 @@
             <a:fld id="{158AEED3-7A85-4220-829E-FC9AF180230E}" type="datetimeFigureOut">
               <a:rPr lang="ko-KR" altLang="en-US" smtClean="0"/>
               <a:pPr/>
-              <a:t>2022-02-02</a:t>
+              <a:t>2022-02-14</a:t>
             </a:fld>
             <a:endParaRPr lang="ko-KR" altLang="en-US"/>
           </a:p>
@@ -2315,7 +2315,7 @@
             <a:fld id="{158AEED3-7A85-4220-829E-FC9AF180230E}" type="datetimeFigureOut">
               <a:rPr lang="ko-KR" altLang="en-US" smtClean="0"/>
               <a:pPr/>
-              <a:t>2022-02-02</a:t>
+              <a:t>2022-02-14</a:t>
             </a:fld>
             <a:endParaRPr lang="ko-KR" altLang="en-US"/>
           </a:p>
@@ -2540,7 +2540,7 @@
             <a:fld id="{158AEED3-7A85-4220-829E-FC9AF180230E}" type="datetimeFigureOut">
               <a:rPr lang="ko-KR" altLang="en-US" smtClean="0"/>
               <a:pPr/>
-              <a:t>2022-02-02</a:t>
+              <a:t>2022-02-14</a:t>
             </a:fld>
             <a:endParaRPr lang="ko-KR" altLang="en-US"/>
           </a:p>
@@ -2637,7 +2637,7 @@
             <a:fld id="{158AEED3-7A85-4220-829E-FC9AF180230E}" type="datetimeFigureOut">
               <a:rPr lang="ko-KR" altLang="en-US" smtClean="0"/>
               <a:pPr/>
-              <a:t>2022-02-02</a:t>
+              <a:t>2022-02-14</a:t>
             </a:fld>
             <a:endParaRPr lang="ko-KR" altLang="en-US"/>
           </a:p>
@@ -2916,7 +2916,7 @@
             <a:fld id="{158AEED3-7A85-4220-829E-FC9AF180230E}" type="datetimeFigureOut">
               <a:rPr lang="ko-KR" altLang="en-US" smtClean="0"/>
               <a:pPr/>
-              <a:t>2022-02-02</a:t>
+              <a:t>2022-02-14</a:t>
             </a:fld>
             <a:endParaRPr lang="ko-KR" altLang="en-US"/>
           </a:p>
@@ -3175,7 +3175,7 @@
             <a:fld id="{158AEED3-7A85-4220-829E-FC9AF180230E}" type="datetimeFigureOut">
               <a:rPr lang="ko-KR" altLang="en-US" smtClean="0"/>
               <a:pPr/>
-              <a:t>2022-02-02</a:t>
+              <a:t>2022-02-14</a:t>
             </a:fld>
             <a:endParaRPr lang="ko-KR" altLang="en-US"/>
           </a:p>
@@ -3390,7 +3390,7 @@
             <a:fld id="{158AEED3-7A85-4220-829E-FC9AF180230E}" type="datetimeFigureOut">
               <a:rPr lang="ko-KR" altLang="en-US" smtClean="0"/>
               <a:pPr/>
-              <a:t>2022-02-02</a:t>
+              <a:t>2022-02-14</a:t>
             </a:fld>
             <a:endParaRPr lang="ko-KR" altLang="en-US"/>
           </a:p>
@@ -10073,7 +10073,7 @@
           <p:nvPr>
             <p:extLst>
               <p:ext uri="{D42A27DB-BD31-4B8C-83A1-F6EECF244321}">
-                <p14:modId xmlns:p14="http://schemas.microsoft.com/office/powerpoint/2010/main" val="2141646386"/>
+                <p14:modId xmlns:p14="http://schemas.microsoft.com/office/powerpoint/2010/main" val="3843683965"/>
               </p:ext>
             </p:extLst>
           </p:nvPr>
@@ -10761,7 +10761,7 @@
                         <a:tabLst/>
                       </a:pPr>
                       <a:r>
-                        <a:rPr kumimoji="1" lang="ko-KR" altLang="en-US" sz="2000" b="1" i="0" u="none" strike="noStrike" cap="none" normalizeH="0" baseline="0" dirty="0" err="1">
+                        <a:rPr kumimoji="1" lang="ko-KR" altLang="en-US" sz="2000" b="1" i="0" u="none" strike="noStrike" cap="none" normalizeH="0" baseline="0">
                           <a:ln>
                             <a:noFill/>
                           </a:ln>
@@ -10772,63 +10772,7 @@
                           <a:latin typeface="바탕" pitchFamily="18" charset="-127"/>
                           <a:ea typeface="바탕" pitchFamily="18" charset="-127"/>
                         </a:rPr>
-                        <a:t>언리얼</a:t>
-                      </a:r>
-                      <a:r>
-                        <a:rPr kumimoji="1" lang="ko-KR" altLang="en-US" sz="2000" b="1" i="0" u="none" strike="noStrike" cap="none" normalizeH="0" baseline="0" dirty="0">
-                          <a:ln>
-                            <a:noFill/>
-                          </a:ln>
-                          <a:solidFill>
-                            <a:schemeClr val="tx1"/>
-                          </a:solidFill>
-                          <a:effectLst/>
-                          <a:latin typeface="바탕" pitchFamily="18" charset="-127"/>
-                          <a:ea typeface="바탕" pitchFamily="18" charset="-127"/>
-                        </a:rPr>
-                        <a:t> 엔진</a:t>
-                      </a:r>
-                      <a:r>
-                        <a:rPr kumimoji="1" lang="en-US" altLang="ko-KR" sz="2000" b="1" i="0" u="none" strike="noStrike" cap="none" normalizeH="0" baseline="0" dirty="0">
-                          <a:ln>
-                            <a:noFill/>
-                          </a:ln>
-                          <a:solidFill>
-                            <a:schemeClr val="tx1"/>
-                          </a:solidFill>
-                          <a:effectLst/>
-                          <a:latin typeface="바탕" pitchFamily="18" charset="-127"/>
-                          <a:ea typeface="바탕" pitchFamily="18" charset="-127"/>
-                        </a:rPr>
-                        <a:t>4</a:t>
-                      </a:r>
-                      <a:r>
-                        <a:rPr kumimoji="1" lang="ko-KR" altLang="en-US" sz="2000" b="1" i="0" u="none" strike="noStrike" cap="none" normalizeH="0" baseline="0" dirty="0">
-                          <a:ln>
-                            <a:noFill/>
-                          </a:ln>
-                          <a:solidFill>
-                            <a:schemeClr val="tx1"/>
-                          </a:solidFill>
-                          <a:effectLst/>
-                          <a:latin typeface="바탕" pitchFamily="18" charset="-127"/>
-                          <a:ea typeface="바탕" pitchFamily="18" charset="-127"/>
-                        </a:rPr>
-                        <a:t>를 이용한 게임 제작</a:t>
-                      </a:r>
-                      <a:r>
-                        <a:rPr kumimoji="1" lang="en-US" altLang="ko-KR" sz="2000" b="1" i="0" u="none" strike="noStrike" cap="none" normalizeH="0" baseline="0" dirty="0">
-                          <a:ln>
-                            <a:noFill/>
-                          </a:ln>
-                          <a:solidFill>
-                            <a:schemeClr val="tx1"/>
-                          </a:solidFill>
-                          <a:effectLst/>
-                          <a:latin typeface="바탕" pitchFamily="18" charset="-127"/>
-                          <a:ea typeface="바탕" pitchFamily="18" charset="-127"/>
-                        </a:rPr>
-                        <a:t> </a:t>
+                        <a:t>프론트엔드 개발자</a:t>
                       </a:r>
                       <a:endParaRPr kumimoji="1" lang="ko-KR" altLang="en-US" sz="2000" b="1" i="0" u="none" strike="noStrike" cap="none" normalizeH="0" baseline="0" dirty="0">
                         <a:ln>
